--- a/images/Over of Reg Process.pptx
+++ b/images/Over of Reg Process.pptx
@@ -325,7 +325,7 @@
           <a:p>
             <a:fld id="{D159762C-4A3B-48AE-A4ED-13058D36EECA}" type="datetimeFigureOut">
               <a:rPr lang="en-SG" smtClean="0"/>
-              <a:t>20/8/2019</a:t>
+              <a:t>21/8/2019</a:t>
             </a:fld>
             <a:endParaRPr lang="en-SG"/>
           </a:p>
@@ -424,7 +424,7 @@
           <a:p>
             <a:fld id="{BB73B8D4-C66C-4DC7-8D15-B93992B9CAF1}" type="datetimeFigureOut">
               <a:rPr lang="en-SG" smtClean="0"/>
-              <a:t>20/8/2019</a:t>
+              <a:t>21/8/2019</a:t>
             </a:fld>
             <a:endParaRPr lang="en-SG"/>
           </a:p>
@@ -1121,7 +1121,7 @@
           <a:p>
             <a:fld id="{D930F4B6-BDC4-490D-A6F0-0EC7925F0AD2}" type="datetime1">
               <a:rPr lang="en-US" smtClean="0"/>
-              <a:t>8/20/2019</a:t>
+              <a:t>8/21/2019</a:t>
             </a:fld>
             <a:endParaRPr lang="en-US" dirty="0"/>
           </a:p>
@@ -1372,7 +1372,7 @@
           <a:p>
             <a:fld id="{1BEC1971-903D-4579-8AC7-C36D595179A4}" type="datetime1">
               <a:rPr lang="en-US" smtClean="0"/>
-              <a:t>8/20/2019</a:t>
+              <a:t>8/21/2019</a:t>
             </a:fld>
             <a:endParaRPr lang="en-US" dirty="0"/>
           </a:p>
@@ -1569,7 +1569,7 @@
           <a:p>
             <a:fld id="{372E795C-4380-4D22-9FD2-CB696580F2FF}" type="datetime1">
               <a:rPr lang="en-US" smtClean="0"/>
-              <a:t>8/20/2019</a:t>
+              <a:t>8/21/2019</a:t>
             </a:fld>
             <a:endParaRPr lang="en-US" dirty="0"/>
           </a:p>
@@ -1807,7 +1807,7 @@
           <a:p>
             <a:fld id="{C1EF3431-1545-4730-AF40-2DF66F6D1D75}" type="datetime1">
               <a:rPr lang="en-US" smtClean="0"/>
-              <a:t>8/20/2019</a:t>
+              <a:t>8/21/2019</a:t>
             </a:fld>
             <a:endParaRPr lang="en-US" dirty="0"/>
           </a:p>
@@ -2143,7 +2143,7 @@
           <a:p>
             <a:fld id="{76F84001-BF86-42BF-A02A-D23C311A2D06}" type="datetime1">
               <a:rPr lang="en-US" smtClean="0"/>
-              <a:t>8/20/2019</a:t>
+              <a:t>8/21/2019</a:t>
             </a:fld>
             <a:endParaRPr lang="en-US" dirty="0"/>
           </a:p>
@@ -2464,7 +2464,7 @@
           <a:p>
             <a:fld id="{DDB7B6BC-4A4B-498C-BF09-285A644454DC}" type="datetime1">
               <a:rPr lang="en-US" smtClean="0"/>
-              <a:t>8/20/2019</a:t>
+              <a:t>8/21/2019</a:t>
             </a:fld>
             <a:endParaRPr lang="en-US" dirty="0"/>
           </a:p>
@@ -2952,7 +2952,7 @@
           <a:p>
             <a:fld id="{D2F0BDA9-4B2A-4B69-B792-48A6E158EF46}" type="datetime1">
               <a:rPr lang="en-US" smtClean="0"/>
-              <a:t>8/20/2019</a:t>
+              <a:t>8/21/2019</a:t>
             </a:fld>
             <a:endParaRPr lang="en-US" dirty="0"/>
           </a:p>
@@ -3122,7 +3122,7 @@
           <a:p>
             <a:fld id="{F5DF8610-B29B-499E-B896-998D9DC07809}" type="datetime1">
               <a:rPr lang="en-US" smtClean="0"/>
-              <a:t>8/20/2019</a:t>
+              <a:t>8/21/2019</a:t>
             </a:fld>
             <a:endParaRPr lang="en-US" dirty="0"/>
           </a:p>
@@ -3234,7 +3234,7 @@
           <a:p>
             <a:fld id="{65CF989D-98AB-423E-BA3D-14D3F14128CF}" type="datetime1">
               <a:rPr lang="en-US" smtClean="0"/>
-              <a:t>8/20/2019</a:t>
+              <a:t>8/21/2019</a:t>
             </a:fld>
             <a:endParaRPr lang="en-US" dirty="0"/>
           </a:p>
@@ -3530,7 +3530,7 @@
           <a:p>
             <a:fld id="{1C2629B7-8D85-4787-BEA0-E25870DD0AFD}" type="datetime1">
               <a:rPr lang="en-US" smtClean="0"/>
-              <a:t>8/20/2019</a:t>
+              <a:t>8/21/2019</a:t>
             </a:fld>
             <a:endParaRPr lang="en-US" dirty="0"/>
           </a:p>
@@ -3857,7 +3857,7 @@
           <a:p>
             <a:fld id="{AFE87022-F486-462E-8E48-DA6E8853E584}" type="datetime1">
               <a:rPr lang="en-US" smtClean="0"/>
-              <a:t>8/20/2019</a:t>
+              <a:t>8/21/2019</a:t>
             </a:fld>
             <a:endParaRPr lang="en-US" dirty="0"/>
           </a:p>
@@ -4177,7 +4177,7 @@
           <a:p>
             <a:fld id="{F006798D-0BD4-4B1F-A7CA-751DBBC2A0FD}" type="datetime1">
               <a:rPr lang="en-US" smtClean="0"/>
-              <a:t>8/20/2019</a:t>
+              <a:t>8/21/2019</a:t>
             </a:fld>
             <a:endParaRPr lang="en-US" dirty="0"/>
           </a:p>
@@ -4622,13 +4622,7 @@
               <a:rPr lang="en-US" sz="2400" b="1" dirty="0" smtClean="0">
                 <a:latin typeface="+mn-lt"/>
               </a:rPr>
-              <a:t>Overview </a:t>
-            </a:r>
-            <a:r>
-              <a:rPr lang="en-US" sz="2400" b="1" dirty="0" smtClean="0">
-                <a:latin typeface="+mn-lt"/>
-              </a:rPr>
-              <a:t>of Registration Process</a:t>
+              <a:t>Overview of Registration Process</a:t>
             </a:r>
             <a:endParaRPr lang="en-SG" sz="2400" b="1" dirty="0">
               <a:latin typeface="+mn-lt"/>
@@ -5657,16 +5651,7 @@
                 </a:solidFill>
                 <a:cs typeface="Arial" panose="020B0604020202020204" pitchFamily="34" charset="0"/>
               </a:rPr>
-              <a:t>21</a:t>
-            </a:r>
-            <a:r>
-              <a:rPr lang="en-US" b="1" u="sng" dirty="0" smtClean="0">
-                <a:solidFill>
-                  <a:schemeClr val="tx1"/>
-                </a:solidFill>
-                <a:cs typeface="Arial" panose="020B0604020202020204" pitchFamily="34" charset="0"/>
-              </a:rPr>
-              <a:t> </a:t>
+              <a:t>21 </a:t>
             </a:r>
             <a:r>
               <a:rPr lang="en-US" b="1" u="sng" dirty="0">
@@ -5861,16 +5846,34 @@
                 </a:solidFill>
                 <a:cs typeface="Arial" panose="020B0604020202020204" pitchFamily="34" charset="0"/>
               </a:rPr>
-              <a:t>Registrar receives your payment of the registration fees, the Registrar will email a link to you where you may </a:t>
-            </a:r>
-            <a:r>
-              <a:rPr lang="en-US" b="1" dirty="0">
+              <a:t>Registrar receives your payment of the registration fees, the Registrar will </a:t>
+            </a:r>
+            <a:r>
+              <a:rPr lang="en-US" dirty="0" smtClean="0">
                 <a:solidFill>
                   <a:schemeClr val="tx1"/>
                 </a:solidFill>
                 <a:cs typeface="Arial" panose="020B0604020202020204" pitchFamily="34" charset="0"/>
               </a:rPr>
-              <a:t>download the Certificate of Registration.</a:t>
+              <a:t>send you an approval email notification with the</a:t>
+            </a:r>
+            <a:r>
+              <a:rPr lang="en-US" b="1" dirty="0" smtClean="0">
+                <a:solidFill>
+                  <a:schemeClr val="tx1"/>
+                </a:solidFill>
+                <a:cs typeface="Arial" panose="020B0604020202020204" pitchFamily="34" charset="0"/>
+              </a:rPr>
+              <a:t> </a:t>
+            </a:r>
+            <a:r>
+              <a:rPr lang="en-US" b="1" dirty="0">
+                <a:solidFill>
+                  <a:schemeClr val="tx1"/>
+                </a:solidFill>
+                <a:cs typeface="Arial" panose="020B0604020202020204" pitchFamily="34" charset="0"/>
+              </a:rPr>
+              <a:t>Certificate of Registration.</a:t>
             </a:r>
             <a:endParaRPr lang="en-US" dirty="0">
               <a:solidFill>
@@ -7320,24 +7323,15 @@
 </file>
 
 <file path=customXml/item1.xml><?xml version="1.0" encoding="utf-8"?>
-<p:properties xmlns:p="http://schemas.microsoft.com/office/2006/metadata/properties" xmlns:xsi="http://www.w3.org/2001/XMLSchema-instance" xmlns:pc="http://schemas.microsoft.com/office/infopath/2007/PartnerControls">
-  <documentManagement>
-    <MinlawDescription xmlns="a85b171a-1052-409b-8da0-7018bcbcf029" xsi:nil="true"/>
-    <TaxKeywordTaxHTField xmlns="a85b171a-1052-409b-8da0-7018bcbcf029">
-      <Terms xmlns="http://schemas.microsoft.com/office/infopath/2007/PartnerControls"/>
-    </TaxKeywordTaxHTField>
-    <TaxCatchAll xmlns="a85b171a-1052-409b-8da0-7018bcbcf029"/>
-    <RelatedItems xmlns="http://schemas.microsoft.com/sharepoint/v3" xsi:nil="true"/>
-  </documentManagement>
-</p:properties>
+<?mso-contentType ?>
+<FormTemplates xmlns="http://schemas.microsoft.com/sharepoint/v3/contenttype/forms">
+  <Display>DocumentLibraryForm</Display>
+  <Edit>DocumentLibraryForm</Edit>
+  <New>DocumentLibraryForm</New>
+</FormTemplates>
 </file>
 
 <file path=customXml/item2.xml><?xml version="1.0" encoding="utf-8"?>
-<?mso-contentType ?>
-<SharedContentType xmlns="Microsoft.SharePoint.Taxonomy.ContentTypeSync" SourceId="8102fb6d-ee62-459b-bf66-4cc38a152917" ContentTypeId="0x010100ED95446D556EF74A943384CE557254A9" PreviousValue="false"/>
-</file>
-
-<file path=customXml/item3.xml><?xml version="1.0" encoding="utf-8"?>
 <ct:contentTypeSchema xmlns:ct="http://schemas.microsoft.com/office/2006/metadata/contentType" xmlns:ma="http://schemas.microsoft.com/office/2006/metadata/properties/metaAttributes" ct:_="" ma:_="" ma:contentTypeName="MinLaw Document" ma:contentTypeID="0x010100ED95446D556EF74A943384CE557254A900BBA171D2A1CB9E4987BC34BA344F002C" ma:contentTypeVersion="3" ma:contentTypeDescription="Create a new document." ma:contentTypeScope="" ma:versionID="a4e29336844b7e997b80ac5d4c52e4a4">
   <xsd:schema xmlns:xsd="http://www.w3.org/2001/XMLSchema" xmlns:xs="http://www.w3.org/2001/XMLSchema" xmlns:p="http://schemas.microsoft.com/office/2006/metadata/properties" xmlns:ns1="http://schemas.microsoft.com/sharepoint/v3" xmlns:ns2="a85b171a-1052-409b-8da0-7018bcbcf029" targetNamespace="http://schemas.microsoft.com/office/2006/metadata/properties" ma:root="true" ma:fieldsID="c42aad7470ad929989d0b5f94ef14958" ns1:_="" ns2:_="">
     <xsd:import namespace="http://schemas.microsoft.com/sharepoint/v3"/>
@@ -7508,41 +7502,33 @@
 </ct:contentTypeSchema>
 </file>
 
+<file path=customXml/item3.xml><?xml version="1.0" encoding="utf-8"?>
+<?mso-contentType ?>
+<SharedContentType xmlns="Microsoft.SharePoint.Taxonomy.ContentTypeSync" SourceId="8102fb6d-ee62-459b-bf66-4cc38a152917" ContentTypeId="0x010100ED95446D556EF74A943384CE557254A9" PreviousValue="false"/>
+</file>
+
 <file path=customXml/item4.xml><?xml version="1.0" encoding="utf-8"?>
-<?mso-contentType ?>
-<FormTemplates xmlns="http://schemas.microsoft.com/sharepoint/v3/contenttype/forms">
-  <Display>DocumentLibraryForm</Display>
-  <Edit>DocumentLibraryForm</Edit>
-  <New>DocumentLibraryForm</New>
-</FormTemplates>
+<p:properties xmlns:p="http://schemas.microsoft.com/office/2006/metadata/properties" xmlns:xsi="http://www.w3.org/2001/XMLSchema-instance" xmlns:pc="http://schemas.microsoft.com/office/infopath/2007/PartnerControls">
+  <documentManagement>
+    <MinlawDescription xmlns="a85b171a-1052-409b-8da0-7018bcbcf029" xsi:nil="true"/>
+    <TaxKeywordTaxHTField xmlns="a85b171a-1052-409b-8da0-7018bcbcf029">
+      <Terms xmlns="http://schemas.microsoft.com/office/infopath/2007/PartnerControls"/>
+    </TaxKeywordTaxHTField>
+    <TaxCatchAll xmlns="a85b171a-1052-409b-8da0-7018bcbcf029"/>
+    <RelatedItems xmlns="http://schemas.microsoft.com/sharepoint/v3" xsi:nil="true"/>
+  </documentManagement>
+</p:properties>
 </file>
 
 <file path=customXml/itemProps1.xml><?xml version="1.0" encoding="utf-8"?>
-<ds:datastoreItem xmlns:ds="http://schemas.openxmlformats.org/officeDocument/2006/customXml" ds:itemID="{DCAED800-539C-4091-A589-CA529721EE5D}">
+<ds:datastoreItem xmlns:ds="http://schemas.openxmlformats.org/officeDocument/2006/customXml" ds:itemID="{D570AFCB-B48F-4371-9522-33FB6A99D095}">
   <ds:schemaRefs>
-    <ds:schemaRef ds:uri="http://purl.org/dc/dcmitype/"/>
-    <ds:schemaRef ds:uri="http://schemas.microsoft.com/office/2006/documentManagement/types"/>
-    <ds:schemaRef ds:uri="http://www.w3.org/XML/1998/namespace"/>
-    <ds:schemaRef ds:uri="http://purl.org/dc/terms/"/>
-    <ds:schemaRef ds:uri="http://schemas.microsoft.com/office/infopath/2007/PartnerControls"/>
-    <ds:schemaRef ds:uri="http://schemas.openxmlformats.org/package/2006/metadata/core-properties"/>
-    <ds:schemaRef ds:uri="http://schemas.microsoft.com/office/2006/metadata/properties"/>
-    <ds:schemaRef ds:uri="a85b171a-1052-409b-8da0-7018bcbcf029"/>
-    <ds:schemaRef ds:uri="http://purl.org/dc/elements/1.1/"/>
-    <ds:schemaRef ds:uri="http://schemas.microsoft.com/sharepoint/v3"/>
+    <ds:schemaRef ds:uri="http://schemas.microsoft.com/sharepoint/v3/contenttype/forms"/>
   </ds:schemaRefs>
 </ds:datastoreItem>
 </file>
 
 <file path=customXml/itemProps2.xml><?xml version="1.0" encoding="utf-8"?>
-<ds:datastoreItem xmlns:ds="http://schemas.openxmlformats.org/officeDocument/2006/customXml" ds:itemID="{468A845F-9C8B-492D-9FE5-D3B94F0A21C7}">
-  <ds:schemaRefs>
-    <ds:schemaRef ds:uri="Microsoft.SharePoint.Taxonomy.ContentTypeSync"/>
-  </ds:schemaRefs>
-</ds:datastoreItem>
-</file>
-
-<file path=customXml/itemProps3.xml><?xml version="1.0" encoding="utf-8"?>
 <ds:datastoreItem xmlns:ds="http://schemas.openxmlformats.org/officeDocument/2006/customXml" ds:itemID="{26B5DAD2-837C-49E3-A233-4754758BF3AC}">
   <ds:schemaRefs>
     <ds:schemaRef ds:uri="http://schemas.microsoft.com/office/2006/metadata/contentType"/>
@@ -7561,10 +7547,27 @@
 </ds:datastoreItem>
 </file>
 
+<file path=customXml/itemProps3.xml><?xml version="1.0" encoding="utf-8"?>
+<ds:datastoreItem xmlns:ds="http://schemas.openxmlformats.org/officeDocument/2006/customXml" ds:itemID="{468A845F-9C8B-492D-9FE5-D3B94F0A21C7}">
+  <ds:schemaRefs>
+    <ds:schemaRef ds:uri="Microsoft.SharePoint.Taxonomy.ContentTypeSync"/>
+  </ds:schemaRefs>
+</ds:datastoreItem>
+</file>
+
 <file path=customXml/itemProps4.xml><?xml version="1.0" encoding="utf-8"?>
-<ds:datastoreItem xmlns:ds="http://schemas.openxmlformats.org/officeDocument/2006/customXml" ds:itemID="{D570AFCB-B48F-4371-9522-33FB6A99D095}">
+<ds:datastoreItem xmlns:ds="http://schemas.openxmlformats.org/officeDocument/2006/customXml" ds:itemID="{DCAED800-539C-4091-A589-CA529721EE5D}">
   <ds:schemaRefs>
-    <ds:schemaRef ds:uri="http://schemas.microsoft.com/sharepoint/v3/contenttype/forms"/>
+    <ds:schemaRef ds:uri="http://purl.org/dc/dcmitype/"/>
+    <ds:schemaRef ds:uri="http://schemas.microsoft.com/office/2006/documentManagement/types"/>
+    <ds:schemaRef ds:uri="http://www.w3.org/XML/1998/namespace"/>
+    <ds:schemaRef ds:uri="http://purl.org/dc/terms/"/>
+    <ds:schemaRef ds:uri="http://schemas.microsoft.com/office/infopath/2007/PartnerControls"/>
+    <ds:schemaRef ds:uri="http://schemas.openxmlformats.org/package/2006/metadata/core-properties"/>
+    <ds:schemaRef ds:uri="http://schemas.microsoft.com/office/2006/metadata/properties"/>
+    <ds:schemaRef ds:uri="a85b171a-1052-409b-8da0-7018bcbcf029"/>
+    <ds:schemaRef ds:uri="http://purl.org/dc/elements/1.1/"/>
+    <ds:schemaRef ds:uri="http://schemas.microsoft.com/sharepoint/v3"/>
   </ds:schemaRefs>
 </ds:datastoreItem>
 </file>
--- a/images/Over of Reg Process.pptx
+++ b/images/Over of Reg Process.pptx
@@ -2,16 +2,16 @@
 <file path=ppt/presentation.xml><?xml version="1.0" encoding="utf-8"?>
 <p:presentation xmlns:a="http://schemas.openxmlformats.org/drawingml/2006/main" xmlns:r="http://schemas.openxmlformats.org/officeDocument/2006/relationships" xmlns:p="http://schemas.openxmlformats.org/presentationml/2006/main" saveSubsetFonts="1">
   <p:sldMasterIdLst>
-    <p:sldMasterId id="2147483676" r:id="rId5"/>
+    <p:sldMasterId id="2147483676" r:id="rId4"/>
   </p:sldMasterIdLst>
   <p:notesMasterIdLst>
-    <p:notesMasterId r:id="rId7"/>
+    <p:notesMasterId r:id="rId6"/>
   </p:notesMasterIdLst>
   <p:handoutMasterIdLst>
-    <p:handoutMasterId r:id="rId8"/>
+    <p:handoutMasterId r:id="rId7"/>
   </p:handoutMasterIdLst>
   <p:sldIdLst>
-    <p:sldId id="376" r:id="rId6"/>
+    <p:sldId id="376" r:id="rId5"/>
   </p:sldIdLst>
   <p:sldSz cx="12192000" cy="6858000"/>
   <p:notesSz cx="6797675" cy="9926638"/>
@@ -325,7 +325,7 @@
           <a:p>
             <a:fld id="{D159762C-4A3B-48AE-A4ED-13058D36EECA}" type="datetimeFigureOut">
               <a:rPr lang="en-SG" smtClean="0"/>
-              <a:t>21/8/2019</a:t>
+              <a:t>16/9/2019</a:t>
             </a:fld>
             <a:endParaRPr lang="en-SG"/>
           </a:p>
@@ -424,7 +424,7 @@
           <a:p>
             <a:fld id="{BB73B8D4-C66C-4DC7-8D15-B93992B9CAF1}" type="datetimeFigureOut">
               <a:rPr lang="en-SG" smtClean="0"/>
-              <a:t>21/8/2019</a:t>
+              <a:t>16/9/2019</a:t>
             </a:fld>
             <a:endParaRPr lang="en-SG"/>
           </a:p>
@@ -488,35 +488,35 @@
           <a:p>
             <a:pPr lvl="0"/>
             <a:r>
-              <a:rPr lang="en-US" smtClean="0"/>
+              <a:rPr lang="en-US"/>
               <a:t>Edit Master text styles</a:t>
             </a:r>
           </a:p>
           <a:p>
             <a:pPr lvl="1"/>
             <a:r>
-              <a:rPr lang="en-US" smtClean="0"/>
+              <a:rPr lang="en-US"/>
               <a:t>Second level</a:t>
             </a:r>
           </a:p>
           <a:p>
             <a:pPr lvl="2"/>
             <a:r>
-              <a:rPr lang="en-US" smtClean="0"/>
+              <a:rPr lang="en-US"/>
               <a:t>Third level</a:t>
             </a:r>
           </a:p>
           <a:p>
             <a:pPr lvl="3"/>
             <a:r>
-              <a:rPr lang="en-US" smtClean="0"/>
+              <a:rPr lang="en-US"/>
               <a:t>Fourth level</a:t>
             </a:r>
           </a:p>
           <a:p>
             <a:pPr lvl="4"/>
             <a:r>
-              <a:rPr lang="en-US" smtClean="0"/>
+              <a:rPr lang="en-US"/>
               <a:t>Fifth level</a:t>
             </a:r>
             <a:endParaRPr lang="en-SG"/>
@@ -737,48 +737,48 @@
           <a:lstStyle/>
           <a:p>
             <a:r>
-              <a:rPr lang="en-US" dirty="0" smtClean="0"/>
+              <a:rPr lang="en-US" dirty="0"/>
               <a:t>Talking points.</a:t>
             </a:r>
           </a:p>
           <a:p>
             <a:r>
-              <a:rPr lang="en-US" dirty="0" smtClean="0"/>
+              <a:rPr lang="en-US" dirty="0"/>
               <a:t>This is an overview of</a:t>
             </a:r>
             <a:r>
-              <a:rPr lang="en-US" baseline="0" dirty="0" smtClean="0"/>
+              <a:rPr lang="en-US" baseline="0" dirty="0"/>
               <a:t> the Registration process. </a:t>
             </a:r>
           </a:p>
           <a:p>
-            <a:endParaRPr lang="en-US" baseline="0" dirty="0" smtClean="0"/>
-          </a:p>
-          <a:p>
-            <a:r>
-              <a:rPr lang="en-US" baseline="0" dirty="0" smtClean="0"/>
+            <a:endParaRPr lang="en-US" baseline="0" dirty="0"/>
+          </a:p>
+          <a:p>
+            <a:r>
+              <a:rPr lang="en-US" baseline="0" dirty="0"/>
               <a:t>First, you must submit your Registration Application using </a:t>
             </a:r>
             <a:r>
-              <a:rPr lang="en-US" baseline="0" dirty="0" err="1" smtClean="0"/>
+              <a:rPr lang="en-US" baseline="0" dirty="0" err="1"/>
               <a:t>LicenceOne</a:t>
             </a:r>
             <a:r>
-              <a:rPr lang="en-US" baseline="0" dirty="0" smtClean="0"/>
+              <a:rPr lang="en-US" baseline="0" dirty="0"/>
               <a:t>. If you are a business entity, you should prepare your </a:t>
             </a:r>
             <a:r>
-              <a:rPr lang="en-US" baseline="0" dirty="0" err="1" smtClean="0"/>
+              <a:rPr lang="en-US" baseline="0" dirty="0" err="1"/>
               <a:t>CorpPass</a:t>
             </a:r>
             <a:r>
-              <a:rPr lang="en-US" baseline="0" dirty="0" smtClean="0"/>
+              <a:rPr lang="en-US" baseline="0" dirty="0"/>
               <a:t>. </a:t>
             </a:r>
           </a:p>
           <a:p>
             <a:r>
-              <a:rPr lang="en-US" baseline="0" dirty="0" smtClean="0"/>
+              <a:rPr lang="en-US" baseline="0" dirty="0"/>
               <a:t>In your application, indicate your number of outlets/ places of business and preferred period of registration of 1 year, 2 year and 3 years and . </a:t>
             </a:r>
           </a:p>
@@ -801,37 +801,37 @@
               <a:defRPr/>
             </a:pPr>
             <a:r>
-              <a:rPr lang="en-US" baseline="0" dirty="0" smtClean="0"/>
+              <a:rPr lang="en-US" baseline="0" dirty="0"/>
               <a:t>A Step by Step Guide to complete the application is in your conference package and on our website. </a:t>
             </a:r>
           </a:p>
           <a:p>
-            <a:endParaRPr lang="en-US" baseline="0" dirty="0" smtClean="0"/>
-          </a:p>
-          <a:p>
-            <a:r>
-              <a:rPr lang="en-US" baseline="0" dirty="0" smtClean="0"/>
+            <a:endParaRPr lang="en-US" baseline="0" dirty="0"/>
+          </a:p>
+          <a:p>
+            <a:r>
+              <a:rPr lang="en-US" baseline="0" dirty="0"/>
               <a:t>After you click the submit button, you can pay the application fees of $140. There is a lower application fee of $70 for applications on or before 31 May 2019.</a:t>
             </a:r>
           </a:p>
           <a:p>
-            <a:endParaRPr lang="en-US" baseline="0" dirty="0" smtClean="0"/>
-          </a:p>
-          <a:p>
-            <a:r>
-              <a:rPr lang="en-US" baseline="0" dirty="0" smtClean="0"/>
+            <a:endParaRPr lang="en-US" baseline="0" dirty="0"/>
+          </a:p>
+          <a:p>
+            <a:r>
+              <a:rPr lang="en-US" baseline="0" dirty="0"/>
               <a:t>The Registrar will process your application. This includes conducting probity checks on the Applicant and its officers. </a:t>
             </a:r>
           </a:p>
           <a:p>
             <a:r>
-              <a:rPr lang="en-US" baseline="0" dirty="0" smtClean="0"/>
+              <a:rPr lang="en-US" baseline="0" dirty="0"/>
               <a:t>If needed, the Registrar will contact the Applicant or the Applicant’s relevant officers/ proposed persons for clarifications on their particulars and self declaration information. </a:t>
             </a:r>
           </a:p>
           <a:p>
             <a:r>
-              <a:rPr lang="en-US" baseline="0" dirty="0" smtClean="0"/>
+              <a:rPr lang="en-US" baseline="0" dirty="0"/>
               <a:t>(to explain why need 3 months)</a:t>
             </a:r>
           </a:p>
@@ -841,7 +841,7 @@
               <a:buChar char="•"/>
             </a:pPr>
             <a:r>
-              <a:rPr lang="en-US" baseline="0" dirty="0" smtClean="0"/>
+              <a:rPr lang="en-US" baseline="0" dirty="0"/>
               <a:t>for Applicants who require clarifications on investigation, financial issues and AML/CFT compliance status, the Applicant and its proposed persons should respond to the Registrar as soon as possible. The Registrar may need to verify the information provided. </a:t>
             </a:r>
           </a:p>
@@ -864,33 +864,33 @@
               <a:defRPr/>
             </a:pPr>
             <a:r>
-              <a:rPr lang="en-US" baseline="0" dirty="0" smtClean="0"/>
+              <a:rPr lang="en-US" baseline="0" dirty="0"/>
               <a:t>At the end of this presentation, we have compiled a list of learning points from applications received so far. Hopefully, these tips can help you reduce possible clarifications and the processing time for your applications. </a:t>
             </a:r>
           </a:p>
           <a:p>
-            <a:endParaRPr lang="en-US" baseline="0" dirty="0" smtClean="0"/>
-          </a:p>
-          <a:p>
-            <a:r>
-              <a:rPr lang="en-US" baseline="0" dirty="0" smtClean="0"/>
+            <a:endParaRPr lang="en-US" baseline="0" dirty="0"/>
+          </a:p>
+          <a:p>
+            <a:r>
+              <a:rPr lang="en-US" baseline="0" dirty="0"/>
               <a:t>Next, in Step 3, if the Registrar is satisfied that the Applicant and his proposed persons is a fit or proper, the Registrar will inform the Applicant that he has In-Principle Approval. </a:t>
             </a:r>
             <a:r>
-              <a:rPr lang="en-US" dirty="0" smtClean="0"/>
+              <a:rPr lang="en-US" dirty="0"/>
               <a:t>The applicant has 7 days to pay</a:t>
             </a:r>
             <a:r>
-              <a:rPr lang="en-US" baseline="0" dirty="0" smtClean="0"/>
+              <a:rPr lang="en-US" baseline="0" dirty="0"/>
               <a:t> the registration fee. </a:t>
             </a:r>
           </a:p>
           <a:p>
-            <a:endParaRPr lang="en-US" baseline="0" dirty="0" smtClean="0"/>
-          </a:p>
-          <a:p>
-            <a:r>
-              <a:rPr lang="en-US" baseline="0" dirty="0" smtClean="0"/>
+            <a:endParaRPr lang="en-US" baseline="0" dirty="0"/>
+          </a:p>
+          <a:p>
+            <a:r>
+              <a:rPr lang="en-US" baseline="0" dirty="0"/>
               <a:t>Lastly, after receiving the registration fee, the Registrar will email the Applicant the Certificate of Registration within 7 days </a:t>
             </a:r>
             <a:endParaRPr lang="en-SG" dirty="0"/>
@@ -977,10 +977,9 @@
           </a:lstStyle>
           <a:p>
             <a:r>
-              <a:rPr lang="en-US" dirty="0" smtClean="0"/>
+              <a:rPr lang="en-US" dirty="0"/>
               <a:t>Click to edit Master title style</a:t>
             </a:r>
-            <a:endParaRPr lang="en-US" dirty="0"/>
           </a:p>
         </p:txBody>
       </p:sp>
@@ -1097,10 +1096,9 @@
           </a:lstStyle>
           <a:p>
             <a:r>
-              <a:rPr lang="en-US" dirty="0" smtClean="0"/>
+              <a:rPr lang="en-US" dirty="0"/>
               <a:t>Click to edit Master subtitle style</a:t>
             </a:r>
-            <a:endParaRPr lang="en-US" dirty="0"/>
           </a:p>
         </p:txBody>
       </p:sp>
@@ -1121,7 +1119,7 @@
           <a:p>
             <a:fld id="{D930F4B6-BDC4-490D-A6F0-0EC7925F0AD2}" type="datetime1">
               <a:rPr lang="en-US" smtClean="0"/>
-              <a:t>8/21/2019</a:t>
+              <a:t>9/16/2019</a:t>
             </a:fld>
             <a:endParaRPr lang="en-US" dirty="0"/>
           </a:p>
@@ -1159,10 +1157,9 @@
           </a:lstStyle>
           <a:p>
             <a:r>
-              <a:rPr lang="en-GB" dirty="0" smtClean="0"/>
+              <a:rPr lang="en-GB" dirty="0"/>
               <a:t>CONFIDENTIAL</a:t>
             </a:r>
-            <a:endParaRPr lang="en-GB" dirty="0"/>
           </a:p>
         </p:txBody>
       </p:sp>
@@ -1253,13 +1250,6 @@
       </p:transition>
     </mc:Fallback>
   </mc:AlternateContent>
-  <p:timing>
-    <p:tnLst>
-      <p:par>
-        <p:cTn id="1" dur="indefinite" restart="never" nodeType="tmRoot"/>
-      </p:par>
-    </p:tnLst>
-  </p:timing>
 </p:sldLayout>
 </file>
 
@@ -1296,10 +1286,9 @@
           <a:lstStyle/>
           <a:p>
             <a:r>
-              <a:rPr lang="en-US" dirty="0" smtClean="0"/>
+              <a:rPr lang="en-US" dirty="0"/>
               <a:t>Click to edit Master title style</a:t>
             </a:r>
-            <a:endParaRPr lang="en-US" dirty="0"/>
           </a:p>
         </p:txBody>
       </p:sp>
@@ -1320,38 +1309,37 @@
           <a:p>
             <a:pPr lvl="0"/>
             <a:r>
-              <a:rPr lang="en-US" dirty="0" smtClean="0"/>
+              <a:rPr lang="en-US" dirty="0"/>
               <a:t>Click to edit Master text styles</a:t>
             </a:r>
           </a:p>
           <a:p>
             <a:pPr lvl="1"/>
             <a:r>
-              <a:rPr lang="en-US" dirty="0" smtClean="0"/>
+              <a:rPr lang="en-US" dirty="0"/>
               <a:t>Second level</a:t>
             </a:r>
           </a:p>
           <a:p>
             <a:pPr lvl="2"/>
             <a:r>
-              <a:rPr lang="en-US" dirty="0" smtClean="0"/>
+              <a:rPr lang="en-US" dirty="0"/>
               <a:t>Third level</a:t>
             </a:r>
           </a:p>
           <a:p>
             <a:pPr lvl="3"/>
             <a:r>
-              <a:rPr lang="en-US" dirty="0" smtClean="0"/>
+              <a:rPr lang="en-US" dirty="0"/>
               <a:t>Fourth level</a:t>
             </a:r>
           </a:p>
           <a:p>
             <a:pPr lvl="4"/>
             <a:r>
-              <a:rPr lang="en-US" dirty="0" smtClean="0"/>
+              <a:rPr lang="en-US" dirty="0"/>
               <a:t>Fifth level</a:t>
             </a:r>
-            <a:endParaRPr lang="en-US" dirty="0"/>
           </a:p>
         </p:txBody>
       </p:sp>
@@ -1372,7 +1360,7 @@
           <a:p>
             <a:fld id="{1BEC1971-903D-4579-8AC7-C36D595179A4}" type="datetime1">
               <a:rPr lang="en-US" smtClean="0"/>
-              <a:t>8/21/2019</a:t>
+              <a:t>9/16/2019</a:t>
             </a:fld>
             <a:endParaRPr lang="en-US" dirty="0"/>
           </a:p>
@@ -1394,7 +1382,7 @@
           <a:lstStyle/>
           <a:p>
             <a:r>
-              <a:rPr lang="en-US" smtClean="0"/>
+              <a:rPr lang="en-US"/>
               <a:t>CONFIDENTIAL</a:t>
             </a:r>
             <a:endParaRPr lang="en-US" dirty="0"/>
@@ -1488,10 +1476,9 @@
           <a:lstStyle/>
           <a:p>
             <a:r>
-              <a:rPr lang="en-US" dirty="0" smtClean="0"/>
+              <a:rPr lang="en-US" dirty="0"/>
               <a:t>Click to edit Master title style</a:t>
             </a:r>
-            <a:endParaRPr lang="en-US" dirty="0"/>
           </a:p>
         </p:txBody>
       </p:sp>
@@ -1517,38 +1504,37 @@
           <a:p>
             <a:pPr lvl="0"/>
             <a:r>
-              <a:rPr lang="en-US" dirty="0" smtClean="0"/>
+              <a:rPr lang="en-US" dirty="0"/>
               <a:t>Click to edit Master text styles</a:t>
             </a:r>
           </a:p>
           <a:p>
             <a:pPr lvl="1"/>
             <a:r>
-              <a:rPr lang="en-US" dirty="0" smtClean="0"/>
+              <a:rPr lang="en-US" dirty="0"/>
               <a:t>Second level</a:t>
             </a:r>
           </a:p>
           <a:p>
             <a:pPr lvl="2"/>
             <a:r>
-              <a:rPr lang="en-US" dirty="0" smtClean="0"/>
+              <a:rPr lang="en-US" dirty="0"/>
               <a:t>Third level</a:t>
             </a:r>
           </a:p>
           <a:p>
             <a:pPr lvl="3"/>
             <a:r>
-              <a:rPr lang="en-US" dirty="0" smtClean="0"/>
+              <a:rPr lang="en-US" dirty="0"/>
               <a:t>Fourth level</a:t>
             </a:r>
           </a:p>
           <a:p>
             <a:pPr lvl="4"/>
             <a:r>
-              <a:rPr lang="en-US" dirty="0" smtClean="0"/>
+              <a:rPr lang="en-US" dirty="0"/>
               <a:t>Fifth level</a:t>
             </a:r>
-            <a:endParaRPr lang="en-US" dirty="0"/>
           </a:p>
         </p:txBody>
       </p:sp>
@@ -1569,7 +1555,7 @@
           <a:p>
             <a:fld id="{372E795C-4380-4D22-9FD2-CB696580F2FF}" type="datetime1">
               <a:rPr lang="en-US" smtClean="0"/>
-              <a:t>8/21/2019</a:t>
+              <a:t>9/16/2019</a:t>
             </a:fld>
             <a:endParaRPr lang="en-US" dirty="0"/>
           </a:p>
@@ -1591,7 +1577,7 @@
           <a:lstStyle/>
           <a:p>
             <a:r>
-              <a:rPr lang="en-US" smtClean="0"/>
+              <a:rPr lang="en-US"/>
               <a:t>CONFIDENTIAL</a:t>
             </a:r>
             <a:endParaRPr lang="en-US" dirty="0"/>
@@ -1695,10 +1681,9 @@
           </a:lstStyle>
           <a:p>
             <a:r>
-              <a:rPr lang="en-US" dirty="0" smtClean="0"/>
+              <a:rPr lang="en-US" dirty="0"/>
               <a:t>Click to edit Master title style</a:t>
             </a:r>
-            <a:endParaRPr lang="en-US" dirty="0"/>
           </a:p>
         </p:txBody>
       </p:sp>
@@ -1750,38 +1735,37 @@
           <a:p>
             <a:pPr lvl="0"/>
             <a:r>
-              <a:rPr lang="en-US" dirty="0" smtClean="0"/>
+              <a:rPr lang="en-US" dirty="0"/>
               <a:t>Click to edit Master text styles</a:t>
             </a:r>
           </a:p>
           <a:p>
             <a:pPr lvl="1"/>
             <a:r>
-              <a:rPr lang="en-US" dirty="0" smtClean="0"/>
+              <a:rPr lang="en-US" dirty="0"/>
               <a:t>Second level</a:t>
             </a:r>
           </a:p>
           <a:p>
             <a:pPr lvl="2"/>
             <a:r>
-              <a:rPr lang="en-US" dirty="0" smtClean="0"/>
+              <a:rPr lang="en-US" dirty="0"/>
               <a:t>Third level</a:t>
             </a:r>
           </a:p>
           <a:p>
             <a:pPr lvl="3"/>
             <a:r>
-              <a:rPr lang="en-US" dirty="0" smtClean="0"/>
+              <a:rPr lang="en-US" dirty="0"/>
               <a:t>Fourth level</a:t>
             </a:r>
           </a:p>
           <a:p>
             <a:pPr lvl="4"/>
             <a:r>
-              <a:rPr lang="en-US" dirty="0" smtClean="0"/>
+              <a:rPr lang="en-US" dirty="0"/>
               <a:t>Fifth level</a:t>
             </a:r>
-            <a:endParaRPr lang="en-US" dirty="0"/>
           </a:p>
         </p:txBody>
       </p:sp>
@@ -1807,7 +1791,7 @@
           <a:p>
             <a:fld id="{C1EF3431-1545-4730-AF40-2DF66F6D1D75}" type="datetime1">
               <a:rPr lang="en-US" smtClean="0"/>
-              <a:t>8/21/2019</a:t>
+              <a:t>9/16/2019</a:t>
             </a:fld>
             <a:endParaRPr lang="en-US" dirty="0"/>
           </a:p>
@@ -1843,10 +1827,9 @@
           <a:p>
             <a:pPr algn="ctr"/>
             <a:r>
-              <a:rPr lang="en-US" dirty="0" smtClean="0"/>
+              <a:rPr lang="en-US" dirty="0"/>
               <a:t>CONFIDENTIAL</a:t>
             </a:r>
-            <a:endParaRPr lang="en-US" dirty="0"/>
           </a:p>
         </p:txBody>
       </p:sp>
@@ -1946,13 +1929,6 @@
       </p:transition>
     </mc:Fallback>
   </mc:AlternateContent>
-  <p:timing>
-    <p:tnLst>
-      <p:par>
-        <p:cTn id="1" dur="indefinite" restart="never" nodeType="tmRoot"/>
-      </p:par>
-    </p:tnLst>
-  </p:timing>
 </p:sldLayout>
 </file>
 
@@ -2000,10 +1976,9 @@
           </a:lstStyle>
           <a:p>
             <a:r>
-              <a:rPr lang="en-US" dirty="0" smtClean="0"/>
+              <a:rPr lang="en-US" dirty="0"/>
               <a:t>Click to edit Master title style</a:t>
             </a:r>
-            <a:endParaRPr lang="en-US" dirty="0"/>
           </a:p>
         </p:txBody>
       </p:sp>
@@ -2120,7 +2095,7 @@
           <a:p>
             <a:pPr lvl="0"/>
             <a:r>
-              <a:rPr lang="en-US" smtClean="0"/>
+              <a:rPr lang="en-US"/>
               <a:t>Click to edit Master text styles</a:t>
             </a:r>
           </a:p>
@@ -2143,7 +2118,7 @@
           <a:p>
             <a:fld id="{76F84001-BF86-42BF-A02A-D23C311A2D06}" type="datetime1">
               <a:rPr lang="en-US" smtClean="0"/>
-              <a:t>8/21/2019</a:t>
+              <a:t>9/16/2019</a:t>
             </a:fld>
             <a:endParaRPr lang="en-US" dirty="0"/>
           </a:p>
@@ -2165,7 +2140,7 @@
           <a:lstStyle/>
           <a:p>
             <a:r>
-              <a:rPr lang="en-US" smtClean="0"/>
+              <a:rPr lang="en-US"/>
               <a:t>CONFIDENTIAL</a:t>
             </a:r>
             <a:endParaRPr lang="en-US" dirty="0"/>
@@ -2227,13 +2202,6 @@
       </p:transition>
     </mc:Fallback>
   </mc:AlternateContent>
-  <p:timing>
-    <p:tnLst>
-      <p:par>
-        <p:cTn id="1" dur="indefinite" restart="never" nodeType="tmRoot"/>
-      </p:par>
-    </p:tnLst>
-  </p:timing>
 </p:sldLayout>
 </file>
 
@@ -2270,10 +2238,9 @@
           <a:lstStyle/>
           <a:p>
             <a:r>
-              <a:rPr lang="en-US" smtClean="0"/>
+              <a:rPr lang="en-US"/>
               <a:t>Click to edit Master title style</a:t>
             </a:r>
-            <a:endParaRPr lang="en-US"/>
           </a:p>
         </p:txBody>
       </p:sp>
@@ -2327,38 +2294,37 @@
           <a:p>
             <a:pPr lvl="0"/>
             <a:r>
-              <a:rPr lang="en-US" dirty="0" smtClean="0"/>
+              <a:rPr lang="en-US" dirty="0"/>
               <a:t>Click to edit Master text styles</a:t>
             </a:r>
           </a:p>
           <a:p>
             <a:pPr lvl="1"/>
             <a:r>
-              <a:rPr lang="en-US" dirty="0" smtClean="0"/>
+              <a:rPr lang="en-US" dirty="0"/>
               <a:t>Second level</a:t>
             </a:r>
           </a:p>
           <a:p>
             <a:pPr lvl="2"/>
             <a:r>
-              <a:rPr lang="en-US" dirty="0" smtClean="0"/>
+              <a:rPr lang="en-US" dirty="0"/>
               <a:t>Third level</a:t>
             </a:r>
           </a:p>
           <a:p>
             <a:pPr lvl="3"/>
             <a:r>
-              <a:rPr lang="en-US" dirty="0" smtClean="0"/>
+              <a:rPr lang="en-US" dirty="0"/>
               <a:t>Fourth level</a:t>
             </a:r>
           </a:p>
           <a:p>
             <a:pPr lvl="4"/>
             <a:r>
-              <a:rPr lang="en-US" dirty="0" smtClean="0"/>
+              <a:rPr lang="en-US" dirty="0"/>
               <a:t>Fifth level</a:t>
             </a:r>
-            <a:endParaRPr lang="en-US" dirty="0"/>
           </a:p>
         </p:txBody>
       </p:sp>
@@ -2412,38 +2378,37 @@
           <a:p>
             <a:pPr lvl="0"/>
             <a:r>
-              <a:rPr lang="en-US" dirty="0" smtClean="0"/>
+              <a:rPr lang="en-US" dirty="0"/>
               <a:t>Click to edit Master text styles</a:t>
             </a:r>
           </a:p>
           <a:p>
             <a:pPr lvl="1"/>
             <a:r>
-              <a:rPr lang="en-US" dirty="0" smtClean="0"/>
+              <a:rPr lang="en-US" dirty="0"/>
               <a:t>Second level</a:t>
             </a:r>
           </a:p>
           <a:p>
             <a:pPr lvl="2"/>
             <a:r>
-              <a:rPr lang="en-US" dirty="0" smtClean="0"/>
+              <a:rPr lang="en-US" dirty="0"/>
               <a:t>Third level</a:t>
             </a:r>
           </a:p>
           <a:p>
             <a:pPr lvl="3"/>
             <a:r>
-              <a:rPr lang="en-US" dirty="0" smtClean="0"/>
+              <a:rPr lang="en-US" dirty="0"/>
               <a:t>Fourth level</a:t>
             </a:r>
           </a:p>
           <a:p>
             <a:pPr lvl="4"/>
             <a:r>
-              <a:rPr lang="en-US" dirty="0" smtClean="0"/>
+              <a:rPr lang="en-US" dirty="0"/>
               <a:t>Fifth level</a:t>
             </a:r>
-            <a:endParaRPr lang="en-US" dirty="0"/>
           </a:p>
         </p:txBody>
       </p:sp>
@@ -2464,7 +2429,7 @@
           <a:p>
             <a:fld id="{DDB7B6BC-4A4B-498C-BF09-285A644454DC}" type="datetime1">
               <a:rPr lang="en-US" smtClean="0"/>
-              <a:t>8/21/2019</a:t>
+              <a:t>9/16/2019</a:t>
             </a:fld>
             <a:endParaRPr lang="en-US" dirty="0"/>
           </a:p>
@@ -2486,7 +2451,7 @@
           <a:lstStyle/>
           <a:p>
             <a:r>
-              <a:rPr lang="en-US" smtClean="0"/>
+              <a:rPr lang="en-US"/>
               <a:t>CONFIDENTIAL</a:t>
             </a:r>
             <a:endParaRPr lang="en-US" dirty="0"/>
@@ -2579,7 +2544,7 @@
           </a:lstStyle>
           <a:p>
             <a:r>
-              <a:rPr lang="en-US" smtClean="0"/>
+              <a:rPr lang="en-US"/>
               <a:t>Click to edit Master title style</a:t>
             </a:r>
             <a:endParaRPr lang="en-US" dirty="0"/>
@@ -2668,7 +2633,7 @@
           <a:p>
             <a:pPr lvl="0"/>
             <a:r>
-              <a:rPr lang="en-US" smtClean="0"/>
+              <a:rPr lang="en-US"/>
               <a:t>Click to edit Master text styles</a:t>
             </a:r>
           </a:p>
@@ -2724,38 +2689,37 @@
           <a:p>
             <a:pPr lvl="0"/>
             <a:r>
-              <a:rPr lang="en-US" dirty="0" smtClean="0"/>
+              <a:rPr lang="en-US" dirty="0"/>
               <a:t>Click to edit Master text styles</a:t>
             </a:r>
           </a:p>
           <a:p>
             <a:pPr lvl="1"/>
             <a:r>
-              <a:rPr lang="en-US" dirty="0" smtClean="0"/>
+              <a:rPr lang="en-US" dirty="0"/>
               <a:t>Second level</a:t>
             </a:r>
           </a:p>
           <a:p>
             <a:pPr lvl="2"/>
             <a:r>
-              <a:rPr lang="en-US" dirty="0" smtClean="0"/>
+              <a:rPr lang="en-US" dirty="0"/>
               <a:t>Third level</a:t>
             </a:r>
           </a:p>
           <a:p>
             <a:pPr lvl="3"/>
             <a:r>
-              <a:rPr lang="en-US" dirty="0" smtClean="0"/>
+              <a:rPr lang="en-US" dirty="0"/>
               <a:t>Fourth level</a:t>
             </a:r>
           </a:p>
           <a:p>
             <a:pPr lvl="4"/>
             <a:r>
-              <a:rPr lang="en-US" dirty="0" smtClean="0"/>
+              <a:rPr lang="en-US" dirty="0"/>
               <a:t>Fifth level</a:t>
             </a:r>
-            <a:endParaRPr lang="en-US" dirty="0"/>
           </a:p>
         </p:txBody>
       </p:sp>
@@ -2844,7 +2808,7 @@
           <a:p>
             <a:pPr lvl="0"/>
             <a:r>
-              <a:rPr lang="en-US" smtClean="0"/>
+              <a:rPr lang="en-US"/>
               <a:t>Click to edit Master text styles</a:t>
             </a:r>
           </a:p>
@@ -2900,35 +2864,35 @@
           <a:p>
             <a:pPr lvl="0"/>
             <a:r>
-              <a:rPr lang="en-US" smtClean="0"/>
+              <a:rPr lang="en-US"/>
               <a:t>Click to edit Master text styles</a:t>
             </a:r>
           </a:p>
           <a:p>
             <a:pPr lvl="1"/>
             <a:r>
-              <a:rPr lang="en-US" smtClean="0"/>
+              <a:rPr lang="en-US"/>
               <a:t>Second level</a:t>
             </a:r>
           </a:p>
           <a:p>
             <a:pPr lvl="2"/>
             <a:r>
-              <a:rPr lang="en-US" smtClean="0"/>
+              <a:rPr lang="en-US"/>
               <a:t>Third level</a:t>
             </a:r>
           </a:p>
           <a:p>
             <a:pPr lvl="3"/>
             <a:r>
-              <a:rPr lang="en-US" smtClean="0"/>
+              <a:rPr lang="en-US"/>
               <a:t>Fourth level</a:t>
             </a:r>
           </a:p>
           <a:p>
             <a:pPr lvl="4"/>
             <a:r>
-              <a:rPr lang="en-US" smtClean="0"/>
+              <a:rPr lang="en-US"/>
               <a:t>Fifth level</a:t>
             </a:r>
             <a:endParaRPr lang="en-US" dirty="0"/>
@@ -2952,7 +2916,7 @@
           <a:p>
             <a:fld id="{D2F0BDA9-4B2A-4B69-B792-48A6E158EF46}" type="datetime1">
               <a:rPr lang="en-US" smtClean="0"/>
-              <a:t>8/21/2019</a:t>
+              <a:t>9/16/2019</a:t>
             </a:fld>
             <a:endParaRPr lang="en-US" dirty="0"/>
           </a:p>
@@ -2974,7 +2938,7 @@
           <a:lstStyle/>
           <a:p>
             <a:r>
-              <a:rPr lang="en-US" smtClean="0"/>
+              <a:rPr lang="en-US"/>
               <a:t>CONFIDENTIAL</a:t>
             </a:r>
             <a:endParaRPr lang="en-US" dirty="0"/>
@@ -3098,10 +3062,9 @@
           <a:lstStyle/>
           <a:p>
             <a:r>
-              <a:rPr lang="en-US" dirty="0" smtClean="0"/>
+              <a:rPr lang="en-US" dirty="0"/>
               <a:t>Click to edit Master title style</a:t>
             </a:r>
-            <a:endParaRPr lang="en-US" dirty="0"/>
           </a:p>
         </p:txBody>
       </p:sp>
@@ -3122,7 +3085,7 @@
           <a:p>
             <a:fld id="{F5DF8610-B29B-499E-B896-998D9DC07809}" type="datetime1">
               <a:rPr lang="en-US" smtClean="0"/>
-              <a:t>8/21/2019</a:t>
+              <a:t>9/16/2019</a:t>
             </a:fld>
             <a:endParaRPr lang="en-US" dirty="0"/>
           </a:p>
@@ -3144,7 +3107,7 @@
           <a:lstStyle/>
           <a:p>
             <a:r>
-              <a:rPr lang="en-US" smtClean="0"/>
+              <a:rPr lang="en-US"/>
               <a:t>CONFIDENTIAL</a:t>
             </a:r>
             <a:endParaRPr lang="en-US" dirty="0"/>
@@ -3234,7 +3197,7 @@
           <a:p>
             <a:fld id="{65CF989D-98AB-423E-BA3D-14D3F14128CF}" type="datetime1">
               <a:rPr lang="en-US" smtClean="0"/>
-              <a:t>8/21/2019</a:t>
+              <a:t>9/16/2019</a:t>
             </a:fld>
             <a:endParaRPr lang="en-US" dirty="0"/>
           </a:p>
@@ -3256,7 +3219,7 @@
           <a:lstStyle/>
           <a:p>
             <a:r>
-              <a:rPr lang="en-US" smtClean="0"/>
+              <a:rPr lang="en-US"/>
               <a:t>CONFIDENTIAL</a:t>
             </a:r>
             <a:endParaRPr lang="en-US" dirty="0"/>
@@ -3356,10 +3319,9 @@
           </a:lstStyle>
           <a:p>
             <a:r>
-              <a:rPr lang="en-US" dirty="0" smtClean="0"/>
+              <a:rPr lang="en-US" dirty="0"/>
               <a:t>Click to edit Master title style</a:t>
             </a:r>
-            <a:endParaRPr lang="en-US" dirty="0"/>
           </a:p>
         </p:txBody>
       </p:sp>
@@ -3413,38 +3375,37 @@
           <a:p>
             <a:pPr lvl="0"/>
             <a:r>
-              <a:rPr lang="en-US" dirty="0" smtClean="0"/>
+              <a:rPr lang="en-US" dirty="0"/>
               <a:t>Click to edit Master text styles</a:t>
             </a:r>
           </a:p>
           <a:p>
             <a:pPr lvl="1"/>
             <a:r>
-              <a:rPr lang="en-US" dirty="0" smtClean="0"/>
+              <a:rPr lang="en-US" dirty="0"/>
               <a:t>Second level</a:t>
             </a:r>
           </a:p>
           <a:p>
             <a:pPr lvl="2"/>
             <a:r>
-              <a:rPr lang="en-US" dirty="0" smtClean="0"/>
+              <a:rPr lang="en-US" dirty="0"/>
               <a:t>Third level</a:t>
             </a:r>
           </a:p>
           <a:p>
             <a:pPr lvl="3"/>
             <a:r>
-              <a:rPr lang="en-US" dirty="0" smtClean="0"/>
+              <a:rPr lang="en-US" dirty="0"/>
               <a:t>Fourth level</a:t>
             </a:r>
           </a:p>
           <a:p>
             <a:pPr lvl="4"/>
             <a:r>
-              <a:rPr lang="en-US" dirty="0" smtClean="0"/>
+              <a:rPr lang="en-US" dirty="0"/>
               <a:t>Fifth level</a:t>
             </a:r>
-            <a:endParaRPr lang="en-US" dirty="0"/>
           </a:p>
         </p:txBody>
       </p:sp>
@@ -3507,7 +3468,7 @@
           <a:p>
             <a:pPr lvl="0"/>
             <a:r>
-              <a:rPr lang="en-US" dirty="0" smtClean="0"/>
+              <a:rPr lang="en-US" dirty="0"/>
               <a:t>Click to edit Master text styles</a:t>
             </a:r>
           </a:p>
@@ -3530,7 +3491,7 @@
           <a:p>
             <a:fld id="{1C2629B7-8D85-4787-BEA0-E25870DD0AFD}" type="datetime1">
               <a:rPr lang="en-US" smtClean="0"/>
-              <a:t>8/21/2019</a:t>
+              <a:t>9/16/2019</a:t>
             </a:fld>
             <a:endParaRPr lang="en-US" dirty="0"/>
           </a:p>
@@ -3552,7 +3513,7 @@
           <a:lstStyle/>
           <a:p>
             <a:r>
-              <a:rPr lang="en-US" smtClean="0"/>
+              <a:rPr lang="en-US"/>
               <a:t>CONFIDENTIAL</a:t>
             </a:r>
             <a:endParaRPr lang="en-US" dirty="0"/>
@@ -3687,10 +3648,9 @@
           </a:lstStyle>
           <a:p>
             <a:r>
-              <a:rPr lang="en-US" dirty="0" smtClean="0"/>
+              <a:rPr lang="en-US" dirty="0"/>
               <a:t>Click to edit Master title style</a:t>
             </a:r>
-            <a:endParaRPr lang="en-US" dirty="0"/>
           </a:p>
         </p:txBody>
       </p:sp>
@@ -3768,10 +3728,9 @@
           </a:lstStyle>
           <a:p>
             <a:r>
-              <a:rPr lang="en-US" dirty="0" smtClean="0"/>
+              <a:rPr lang="en-US" dirty="0"/>
               <a:t>Click icon to add picture</a:t>
             </a:r>
-            <a:endParaRPr lang="en-US" dirty="0"/>
           </a:p>
         </p:txBody>
       </p:sp>
@@ -3834,7 +3793,7 @@
           <a:p>
             <a:pPr lvl="0"/>
             <a:r>
-              <a:rPr lang="en-US" dirty="0" smtClean="0"/>
+              <a:rPr lang="en-US" dirty="0"/>
               <a:t>Click to edit Master text styles</a:t>
             </a:r>
           </a:p>
@@ -3857,7 +3816,7 @@
           <a:p>
             <a:fld id="{AFE87022-F486-462E-8E48-DA6E8853E584}" type="datetime1">
               <a:rPr lang="en-US" smtClean="0"/>
-              <a:t>8/21/2019</a:t>
+              <a:t>9/16/2019</a:t>
             </a:fld>
             <a:endParaRPr lang="en-US" dirty="0"/>
           </a:p>
@@ -3879,7 +3838,7 @@
           <a:lstStyle/>
           <a:p>
             <a:r>
-              <a:rPr lang="en-US" smtClean="0"/>
+              <a:rPr lang="en-US"/>
               <a:t>CONFIDENTIAL</a:t>
             </a:r>
             <a:endParaRPr lang="en-US" dirty="0"/>
@@ -4029,10 +3988,9 @@
           <a:lstStyle/>
           <a:p>
             <a:r>
-              <a:rPr lang="en-US" dirty="0" smtClean="0"/>
+              <a:rPr lang="en-US" dirty="0"/>
               <a:t>Click to edit Master title style</a:t>
             </a:r>
-            <a:endParaRPr lang="en-US" dirty="0"/>
           </a:p>
         </p:txBody>
       </p:sp>
@@ -4063,38 +4021,37 @@
           <a:p>
             <a:pPr lvl="0"/>
             <a:r>
-              <a:rPr lang="en-US" dirty="0" smtClean="0"/>
+              <a:rPr lang="en-US" dirty="0"/>
               <a:t>Click to edit Master text styles</a:t>
             </a:r>
           </a:p>
           <a:p>
             <a:pPr lvl="1"/>
             <a:r>
-              <a:rPr lang="en-US" dirty="0" smtClean="0"/>
+              <a:rPr lang="en-US" dirty="0"/>
               <a:t>Second level</a:t>
             </a:r>
           </a:p>
           <a:p>
             <a:pPr lvl="2"/>
             <a:r>
-              <a:rPr lang="en-US" dirty="0" smtClean="0"/>
+              <a:rPr lang="en-US" dirty="0"/>
               <a:t>Third level</a:t>
             </a:r>
           </a:p>
           <a:p>
             <a:pPr lvl="3"/>
             <a:r>
-              <a:rPr lang="en-US" dirty="0" smtClean="0"/>
+              <a:rPr lang="en-US" dirty="0"/>
               <a:t>Fourth level</a:t>
             </a:r>
           </a:p>
           <a:p>
             <a:pPr lvl="4"/>
             <a:r>
-              <a:rPr lang="en-US" dirty="0" smtClean="0"/>
+              <a:rPr lang="en-US" dirty="0"/>
               <a:t>Fifth level</a:t>
             </a:r>
-            <a:endParaRPr lang="en-US" dirty="0"/>
           </a:p>
         </p:txBody>
       </p:sp>
@@ -4177,7 +4134,7 @@
           <a:p>
             <a:fld id="{F006798D-0BD4-4B1F-A7CA-751DBBC2A0FD}" type="datetime1">
               <a:rPr lang="en-US" smtClean="0"/>
-              <a:t>8/21/2019</a:t>
+              <a:t>9/16/2019</a:t>
             </a:fld>
             <a:endParaRPr lang="en-US" dirty="0"/>
           </a:p>
@@ -4215,7 +4172,7 @@
           </a:lstStyle>
           <a:p>
             <a:r>
-              <a:rPr lang="en-US" smtClean="0"/>
+              <a:rPr lang="en-US"/>
               <a:t>CONFIDENTIAL</a:t>
             </a:r>
             <a:endParaRPr lang="en-US" dirty="0"/>
@@ -4619,7 +4576,7 @@
           <a:p>
             <a:pPr algn="ctr"/>
             <a:r>
-              <a:rPr lang="en-US" sz="2400" b="1" dirty="0" smtClean="0">
+              <a:rPr lang="en-US" sz="2400" b="1" dirty="0">
                 <a:latin typeface="+mn-lt"/>
               </a:rPr>
               <a:t>Overview of Registration Process</a:t>
@@ -5185,32 +5142,13 @@
                 </a:solidFill>
                 <a:cs typeface="Arial" panose="020B0604020202020204" pitchFamily="34" charset="0"/>
               </a:rPr>
-              <a:t>Step </a:t>
-            </a:r>
-            <a:r>
-              <a:rPr lang="en-US" sz="2400" b="1" u="sng" dirty="0" smtClean="0">
-                <a:solidFill>
-                  <a:schemeClr val="accent3">
-                    <a:lumMod val="75000"/>
-                  </a:schemeClr>
-                </a:solidFill>
-                <a:cs typeface="Arial" panose="020B0604020202020204" pitchFamily="34" charset="0"/>
-              </a:rPr>
-              <a:t>2</a:t>
-            </a:r>
-            <a:endParaRPr lang="en-US" sz="2400" b="1" u="sng" dirty="0">
-              <a:solidFill>
-                <a:schemeClr val="accent3">
-                  <a:lumMod val="75000"/>
-                </a:schemeClr>
-              </a:solidFill>
-              <a:cs typeface="Arial" panose="020B0604020202020204" pitchFamily="34" charset="0"/>
-            </a:endParaRPr>
+              <a:t>Step 2</a:t>
+            </a:r>
           </a:p>
           <a:p>
             <a:pPr algn="ctr"/>
             <a:r>
-              <a:rPr lang="en-US" sz="2400" b="1" dirty="0" smtClean="0">
+              <a:rPr lang="en-US" sz="2400" b="1" dirty="0">
                 <a:solidFill>
                   <a:schemeClr val="tx1"/>
                 </a:solidFill>
@@ -5218,12 +5156,6 @@
               </a:rPr>
               <a:t>Registrar Processes </a:t>
             </a:r>
-            <a:endParaRPr lang="en-US" sz="2400" b="1" dirty="0">
-              <a:solidFill>
-                <a:schemeClr val="tx1"/>
-              </a:solidFill>
-              <a:cs typeface="Arial" panose="020B0604020202020204" pitchFamily="34" charset="0"/>
-            </a:endParaRPr>
           </a:p>
           <a:p>
             <a:pPr algn="ctr"/>
@@ -5353,10 +5285,19 @@
                 </a:solidFill>
                 <a:cs typeface="Arial" panose="020B0604020202020204" pitchFamily="34" charset="0"/>
               </a:rPr>
-              <a:t>in-principle approval </a:t>
-            </a:r>
-            <a:r>
-              <a:rPr lang="en-US" dirty="0" smtClean="0">
+              <a:t>in-principle </a:t>
+            </a:r>
+            <a:r>
+              <a:rPr lang="en-US" b="1">
+                <a:solidFill>
+                  <a:schemeClr val="tx1"/>
+                </a:solidFill>
+                <a:cs typeface="Arial" panose="020B0604020202020204" pitchFamily="34" charset="0"/>
+              </a:rPr>
+              <a:t>approval </a:t>
+            </a:r>
+            <a:r>
+              <a:rPr lang="en-US">
                 <a:solidFill>
                   <a:schemeClr val="tx1"/>
                 </a:solidFill>
@@ -5365,31 +5306,31 @@
               <a:t>around </a:t>
             </a:r>
             <a:r>
-              <a:rPr lang="en-US" b="1" u="sng" dirty="0">
+              <a:rPr lang="en-GB" b="1" u="sng">
                 <a:solidFill>
                   <a:schemeClr val="tx1"/>
                 </a:solidFill>
                 <a:cs typeface="Arial" panose="020B0604020202020204" pitchFamily="34" charset="0"/>
               </a:rPr>
-              <a:t>6</a:t>
-            </a:r>
-            <a:r>
-              <a:rPr lang="en-US" b="1" u="sng" dirty="0" smtClean="0">
+              <a:t>4 to 6</a:t>
+            </a:r>
+            <a:r>
+              <a:rPr lang="en-US" b="1" u="sng">
                 <a:solidFill>
                   <a:schemeClr val="tx1"/>
                 </a:solidFill>
                 <a:cs typeface="Arial" panose="020B0604020202020204" pitchFamily="34" charset="0"/>
               </a:rPr>
-              <a:t> weeks</a:t>
-            </a:r>
-            <a:r>
-              <a:rPr lang="en-US" dirty="0" smtClean="0">
+              <a:t> </a:t>
+            </a:r>
+            <a:r>
+              <a:rPr lang="en-US" b="1" u="sng" dirty="0">
                 <a:solidFill>
                   <a:schemeClr val="tx1"/>
                 </a:solidFill>
                 <a:cs typeface="Arial" panose="020B0604020202020204" pitchFamily="34" charset="0"/>
               </a:rPr>
-              <a:t> after </a:t>
+              <a:t>weeks</a:t>
             </a:r>
             <a:r>
               <a:rPr lang="en-US" dirty="0">
@@ -5398,7 +5339,7 @@
                 </a:solidFill>
                 <a:cs typeface="Arial" panose="020B0604020202020204" pitchFamily="34" charset="0"/>
               </a:rPr>
-              <a:t>receiving your application.</a:t>
+              <a:t> after receiving your application.</a:t>
             </a:r>
           </a:p>
           <a:p>
@@ -5465,32 +5406,13 @@
                 </a:solidFill>
                 <a:cs typeface="Arial" panose="020B0604020202020204" pitchFamily="34" charset="0"/>
               </a:rPr>
-              <a:t>Step </a:t>
-            </a:r>
-            <a:r>
-              <a:rPr lang="en-US" sz="2400" b="1" u="sng" dirty="0" smtClean="0">
-                <a:solidFill>
-                  <a:schemeClr val="accent3">
-                    <a:lumMod val="75000"/>
-                  </a:schemeClr>
-                </a:solidFill>
-                <a:cs typeface="Arial" panose="020B0604020202020204" pitchFamily="34" charset="0"/>
-              </a:rPr>
-              <a:t>3</a:t>
-            </a:r>
-            <a:endParaRPr lang="en-US" sz="2400" b="1" u="sng" dirty="0">
-              <a:solidFill>
-                <a:schemeClr val="accent3">
-                  <a:lumMod val="75000"/>
-                </a:schemeClr>
-              </a:solidFill>
-              <a:cs typeface="Arial" panose="020B0604020202020204" pitchFamily="34" charset="0"/>
-            </a:endParaRPr>
+              <a:t>Step 3</a:t>
+            </a:r>
           </a:p>
           <a:p>
             <a:pPr algn="ctr"/>
             <a:r>
-              <a:rPr lang="en-US" sz="2400" b="1" dirty="0" smtClean="0">
+              <a:rPr lang="en-US" sz="2400" b="1" dirty="0">
                 <a:solidFill>
                   <a:schemeClr val="tx1"/>
                 </a:solidFill>
@@ -5498,12 +5420,6 @@
               </a:rPr>
               <a:t>Pay Registration Fee</a:t>
             </a:r>
-            <a:endParaRPr lang="en-US" sz="2400" b="1" dirty="0">
-              <a:solidFill>
-                <a:schemeClr val="tx1"/>
-              </a:solidFill>
-              <a:cs typeface="Arial" panose="020B0604020202020204" pitchFamily="34" charset="0"/>
-            </a:endParaRPr>
           </a:p>
         </p:txBody>
       </p:sp>
@@ -5645,22 +5561,13 @@
               <a:t>within </a:t>
             </a:r>
             <a:r>
-              <a:rPr lang="en-US" b="1" u="sng" dirty="0" smtClean="0">
+              <a:rPr lang="en-US" b="1" u="sng" dirty="0">
                 <a:solidFill>
                   <a:schemeClr val="tx1"/>
                 </a:solidFill>
                 <a:cs typeface="Arial" panose="020B0604020202020204" pitchFamily="34" charset="0"/>
               </a:rPr>
-              <a:t>21 </a:t>
-            </a:r>
-            <a:r>
-              <a:rPr lang="en-US" b="1" u="sng" dirty="0">
-                <a:solidFill>
-                  <a:schemeClr val="tx1"/>
-                </a:solidFill>
-                <a:cs typeface="Arial" panose="020B0604020202020204" pitchFamily="34" charset="0"/>
-              </a:rPr>
-              <a:t>days</a:t>
+              <a:t>21 days</a:t>
             </a:r>
             <a:r>
               <a:rPr lang="en-US" b="1" dirty="0">
@@ -5745,32 +5652,13 @@
                 </a:solidFill>
                 <a:cs typeface="Arial" panose="020B0604020202020204" pitchFamily="34" charset="0"/>
               </a:rPr>
-              <a:t>Step </a:t>
-            </a:r>
-            <a:r>
-              <a:rPr lang="en-US" sz="2400" b="1" u="sng" dirty="0" smtClean="0">
-                <a:solidFill>
-                  <a:schemeClr val="accent3">
-                    <a:lumMod val="75000"/>
-                  </a:schemeClr>
-                </a:solidFill>
-                <a:cs typeface="Arial" panose="020B0604020202020204" pitchFamily="34" charset="0"/>
-              </a:rPr>
-              <a:t>4</a:t>
-            </a:r>
-            <a:endParaRPr lang="en-US" sz="2400" b="1" u="sng" dirty="0">
-              <a:solidFill>
-                <a:schemeClr val="accent3">
-                  <a:lumMod val="75000"/>
-                </a:schemeClr>
-              </a:solidFill>
-              <a:cs typeface="Arial" panose="020B0604020202020204" pitchFamily="34" charset="0"/>
-            </a:endParaRPr>
+              <a:t>Step 4</a:t>
+            </a:r>
           </a:p>
           <a:p>
             <a:pPr algn="ctr"/>
             <a:r>
-              <a:rPr lang="en-US" sz="2400" b="1" dirty="0" smtClean="0">
+              <a:rPr lang="en-US" sz="2400" b="1" dirty="0">
                 <a:solidFill>
                   <a:schemeClr val="tx1"/>
                 </a:solidFill>
@@ -5778,12 +5666,6 @@
               </a:rPr>
               <a:t>Registrar Issues Your Certificate</a:t>
             </a:r>
-            <a:endParaRPr lang="en-US" sz="2400" b="1" dirty="0">
-              <a:solidFill>
-                <a:schemeClr val="tx1"/>
-              </a:solidFill>
-              <a:cs typeface="Arial" panose="020B0604020202020204" pitchFamily="34" charset="0"/>
-            </a:endParaRPr>
           </a:p>
         </p:txBody>
       </p:sp>
@@ -5831,49 +5713,22 @@
           <a:lstStyle/>
           <a:p>
             <a:r>
-              <a:rPr lang="en-US" dirty="0" smtClean="0">
+              <a:rPr lang="en-US" dirty="0">
                 <a:solidFill>
                   <a:schemeClr val="tx1"/>
                 </a:solidFill>
                 <a:cs typeface="Arial" panose="020B0604020202020204" pitchFamily="34" charset="0"/>
               </a:rPr>
-              <a:t>After the </a:t>
-            </a:r>
-            <a:r>
-              <a:rPr lang="en-US" dirty="0">
+              <a:t>After the Registrar receives your payment of the registration fees, the Registrar will send you an approval email notification with the</a:t>
+            </a:r>
+            <a:r>
+              <a:rPr lang="en-US" b="1" dirty="0">
                 <a:solidFill>
                   <a:schemeClr val="tx1"/>
                 </a:solidFill>
                 <a:cs typeface="Arial" panose="020B0604020202020204" pitchFamily="34" charset="0"/>
               </a:rPr>
-              <a:t>Registrar receives your payment of the registration fees, the Registrar will </a:t>
-            </a:r>
-            <a:r>
-              <a:rPr lang="en-US" dirty="0" smtClean="0">
-                <a:solidFill>
-                  <a:schemeClr val="tx1"/>
-                </a:solidFill>
-                <a:cs typeface="Arial" panose="020B0604020202020204" pitchFamily="34" charset="0"/>
-              </a:rPr>
-              <a:t>send you an approval email notification with the</a:t>
-            </a:r>
-            <a:r>
-              <a:rPr lang="en-US" b="1" dirty="0" smtClean="0">
-                <a:solidFill>
-                  <a:schemeClr val="tx1"/>
-                </a:solidFill>
-                <a:cs typeface="Arial" panose="020B0604020202020204" pitchFamily="34" charset="0"/>
-              </a:rPr>
-              <a:t> </a:t>
-            </a:r>
-            <a:r>
-              <a:rPr lang="en-US" b="1" dirty="0">
-                <a:solidFill>
-                  <a:schemeClr val="tx1"/>
-                </a:solidFill>
-                <a:cs typeface="Arial" panose="020B0604020202020204" pitchFamily="34" charset="0"/>
-              </a:rPr>
-              <a:t>Certificate of Registration.</a:t>
+              <a:t> Certificate of Registration.</a:t>
             </a:r>
             <a:endParaRPr lang="en-US" dirty="0">
               <a:solidFill>
@@ -7323,12 +7178,16 @@
 </file>
 
 <file path=customXml/item1.xml><?xml version="1.0" encoding="utf-8"?>
-<?mso-contentType ?>
-<FormTemplates xmlns="http://schemas.microsoft.com/sharepoint/v3/contenttype/forms">
-  <Display>DocumentLibraryForm</Display>
-  <Edit>DocumentLibraryForm</Edit>
-  <New>DocumentLibraryForm</New>
-</FormTemplates>
+<p:properties xmlns:p="http://schemas.microsoft.com/office/2006/metadata/properties" xmlns:xsi="http://www.w3.org/2001/XMLSchema-instance" xmlns:pc="http://schemas.microsoft.com/office/infopath/2007/PartnerControls">
+  <documentManagement>
+    <MinlawDescription xmlns="a85b171a-1052-409b-8da0-7018bcbcf029" xsi:nil="true"/>
+    <TaxKeywordTaxHTField xmlns="a85b171a-1052-409b-8da0-7018bcbcf029">
+      <Terms xmlns="http://schemas.microsoft.com/office/infopath/2007/PartnerControls"/>
+    </TaxKeywordTaxHTField>
+    <TaxCatchAll xmlns="a85b171a-1052-409b-8da0-7018bcbcf029"/>
+    <RelatedItems xmlns="http://schemas.microsoft.com/sharepoint/v3" xsi:nil="true"/>
+  </documentManagement>
+</p:properties>
 </file>
 
 <file path=customXml/item2.xml><?xml version="1.0" encoding="utf-8"?>
@@ -7504,26 +7363,22 @@
 
 <file path=customXml/item3.xml><?xml version="1.0" encoding="utf-8"?>
 <?mso-contentType ?>
-<SharedContentType xmlns="Microsoft.SharePoint.Taxonomy.ContentTypeSync" SourceId="8102fb6d-ee62-459b-bf66-4cc38a152917" ContentTypeId="0x010100ED95446D556EF74A943384CE557254A9" PreviousValue="false"/>
-</file>
-
-<file path=customXml/item4.xml><?xml version="1.0" encoding="utf-8"?>
-<p:properties xmlns:p="http://schemas.microsoft.com/office/2006/metadata/properties" xmlns:xsi="http://www.w3.org/2001/XMLSchema-instance" xmlns:pc="http://schemas.microsoft.com/office/infopath/2007/PartnerControls">
-  <documentManagement>
-    <MinlawDescription xmlns="a85b171a-1052-409b-8da0-7018bcbcf029" xsi:nil="true"/>
-    <TaxKeywordTaxHTField xmlns="a85b171a-1052-409b-8da0-7018bcbcf029">
-      <Terms xmlns="http://schemas.microsoft.com/office/infopath/2007/PartnerControls"/>
-    </TaxKeywordTaxHTField>
-    <TaxCatchAll xmlns="a85b171a-1052-409b-8da0-7018bcbcf029"/>
-    <RelatedItems xmlns="http://schemas.microsoft.com/sharepoint/v3" xsi:nil="true"/>
-  </documentManagement>
-</p:properties>
+<FormTemplates xmlns="http://schemas.microsoft.com/sharepoint/v3/contenttype/forms">
+  <Display>DocumentLibraryForm</Display>
+  <Edit>DocumentLibraryForm</Edit>
+  <New>DocumentLibraryForm</New>
+</FormTemplates>
 </file>
 
 <file path=customXml/itemProps1.xml><?xml version="1.0" encoding="utf-8"?>
-<ds:datastoreItem xmlns:ds="http://schemas.openxmlformats.org/officeDocument/2006/customXml" ds:itemID="{D570AFCB-B48F-4371-9522-33FB6A99D095}">
+<ds:datastoreItem xmlns:ds="http://schemas.openxmlformats.org/officeDocument/2006/customXml" ds:itemID="{DCAED800-539C-4091-A589-CA529721EE5D}">
   <ds:schemaRefs>
-    <ds:schemaRef ds:uri="http://schemas.microsoft.com/sharepoint/v3/contenttype/forms"/>
+    <ds:schemaRef ds:uri="http://schemas.microsoft.com/office/2006/metadata/properties"/>
+    <ds:schemaRef ds:uri="http://www.w3.org/2000/xmlns/"/>
+    <ds:schemaRef ds:uri="a85b171a-1052-409b-8da0-7018bcbcf029"/>
+    <ds:schemaRef ds:uri="http://www.w3.org/2001/XMLSchema-instance"/>
+    <ds:schemaRef ds:uri="http://schemas.microsoft.com/office/infopath/2007/PartnerControls"/>
+    <ds:schemaRef ds:uri="http://schemas.microsoft.com/sharepoint/v3"/>
   </ds:schemaRefs>
 </ds:datastoreItem>
 </file>
@@ -7533,41 +7388,18 @@
   <ds:schemaRefs>
     <ds:schemaRef ds:uri="http://schemas.microsoft.com/office/2006/metadata/contentType"/>
     <ds:schemaRef ds:uri="http://schemas.microsoft.com/office/2006/metadata/properties/metaAttributes"/>
+    <ds:schemaRef ds:uri="http://www.w3.org/2000/xmlns/"/>
     <ds:schemaRef ds:uri="http://www.w3.org/2001/XMLSchema"/>
-    <ds:schemaRef ds:uri="http://schemas.microsoft.com/office/2006/metadata/properties"/>
     <ds:schemaRef ds:uri="http://schemas.microsoft.com/sharepoint/v3"/>
     <ds:schemaRef ds:uri="a85b171a-1052-409b-8da0-7018bcbcf029"/>
-    <ds:schemaRef ds:uri="http://schemas.microsoft.com/office/2006/documentManagement/types"/>
-    <ds:schemaRef ds:uri="http://schemas.microsoft.com/office/infopath/2007/PartnerControls"/>
-    <ds:schemaRef ds:uri="http://schemas.openxmlformats.org/package/2006/metadata/core-properties"/>
-    <ds:schemaRef ds:uri="http://purl.org/dc/elements/1.1/"/>
-    <ds:schemaRef ds:uri="http://purl.org/dc/terms/"/>
-    <ds:schemaRef ds:uri="http://schemas.microsoft.com/internal/obd"/>
   </ds:schemaRefs>
 </ds:datastoreItem>
 </file>
 
 <file path=customXml/itemProps3.xml><?xml version="1.0" encoding="utf-8"?>
-<ds:datastoreItem xmlns:ds="http://schemas.openxmlformats.org/officeDocument/2006/customXml" ds:itemID="{468A845F-9C8B-492D-9FE5-D3B94F0A21C7}">
+<ds:datastoreItem xmlns:ds="http://schemas.openxmlformats.org/officeDocument/2006/customXml" ds:itemID="{D570AFCB-B48F-4371-9522-33FB6A99D095}">
   <ds:schemaRefs>
-    <ds:schemaRef ds:uri="Microsoft.SharePoint.Taxonomy.ContentTypeSync"/>
-  </ds:schemaRefs>
-</ds:datastoreItem>
-</file>
-
-<file path=customXml/itemProps4.xml><?xml version="1.0" encoding="utf-8"?>
-<ds:datastoreItem xmlns:ds="http://schemas.openxmlformats.org/officeDocument/2006/customXml" ds:itemID="{DCAED800-539C-4091-A589-CA529721EE5D}">
-  <ds:schemaRefs>
-    <ds:schemaRef ds:uri="http://purl.org/dc/dcmitype/"/>
-    <ds:schemaRef ds:uri="http://schemas.microsoft.com/office/2006/documentManagement/types"/>
-    <ds:schemaRef ds:uri="http://www.w3.org/XML/1998/namespace"/>
-    <ds:schemaRef ds:uri="http://purl.org/dc/terms/"/>
-    <ds:schemaRef ds:uri="http://schemas.microsoft.com/office/infopath/2007/PartnerControls"/>
-    <ds:schemaRef ds:uri="http://schemas.openxmlformats.org/package/2006/metadata/core-properties"/>
-    <ds:schemaRef ds:uri="http://schemas.microsoft.com/office/2006/metadata/properties"/>
-    <ds:schemaRef ds:uri="a85b171a-1052-409b-8da0-7018bcbcf029"/>
-    <ds:schemaRef ds:uri="http://purl.org/dc/elements/1.1/"/>
-    <ds:schemaRef ds:uri="http://schemas.microsoft.com/sharepoint/v3"/>
+    <ds:schemaRef ds:uri="http://schemas.microsoft.com/sharepoint/v3/contenttype/forms"/>
   </ds:schemaRefs>
 </ds:datastoreItem>
 </file>